--- a/YingShengyu/slides.pptx
+++ b/YingShengyu/slides.pptx
@@ -10,6 +10,11 @@
     <p:sldId id="258" r:id="rId4"/>
     <p:sldId id="259" r:id="rId5"/>
     <p:sldId id="260" r:id="rId6"/>
+    <p:sldId id="261" r:id="rId7"/>
+    <p:sldId id="262" r:id="rId8"/>
+    <p:sldId id="263" r:id="rId9"/>
+    <p:sldId id="264" r:id="rId10"/>
+    <p:sldId id="265" r:id="rId11"/>
   </p:sldIdLst>
   <p:sldSz cx="12192000" cy="6858000"/>
   <p:notesSz cx="6858000" cy="9144000"/>
@@ -247,7 +252,7 @@
           <a:p>
             <a:fld id="{DE8BD430-E2D2-594E-B6AF-4EE6CB881D48}" type="datetimeFigureOut">
               <a:rPr lang="en-US" smtClean="0"/>
-              <a:t>3/20/19</a:t>
+              <a:t>3/27/19</a:t>
             </a:fld>
             <a:endParaRPr lang="en-US"/>
           </a:p>
@@ -417,7 +422,7 @@
           <a:p>
             <a:fld id="{DE8BD430-E2D2-594E-B6AF-4EE6CB881D48}" type="datetimeFigureOut">
               <a:rPr lang="en-US" smtClean="0"/>
-              <a:t>3/20/19</a:t>
+              <a:t>3/27/19</a:t>
             </a:fld>
             <a:endParaRPr lang="en-US"/>
           </a:p>
@@ -597,7 +602,7 @@
           <a:p>
             <a:fld id="{DE8BD430-E2D2-594E-B6AF-4EE6CB881D48}" type="datetimeFigureOut">
               <a:rPr lang="en-US" smtClean="0"/>
-              <a:t>3/20/19</a:t>
+              <a:t>3/27/19</a:t>
             </a:fld>
             <a:endParaRPr lang="en-US"/>
           </a:p>
@@ -767,7 +772,7 @@
           <a:p>
             <a:fld id="{DE8BD430-E2D2-594E-B6AF-4EE6CB881D48}" type="datetimeFigureOut">
               <a:rPr lang="en-US" smtClean="0"/>
-              <a:t>3/20/19</a:t>
+              <a:t>3/27/19</a:t>
             </a:fld>
             <a:endParaRPr lang="en-US"/>
           </a:p>
@@ -1013,7 +1018,7 @@
           <a:p>
             <a:fld id="{DE8BD430-E2D2-594E-B6AF-4EE6CB881D48}" type="datetimeFigureOut">
               <a:rPr lang="en-US" smtClean="0"/>
-              <a:t>3/20/19</a:t>
+              <a:t>3/27/19</a:t>
             </a:fld>
             <a:endParaRPr lang="en-US"/>
           </a:p>
@@ -1245,7 +1250,7 @@
           <a:p>
             <a:fld id="{DE8BD430-E2D2-594E-B6AF-4EE6CB881D48}" type="datetimeFigureOut">
               <a:rPr lang="en-US" smtClean="0"/>
-              <a:t>3/20/19</a:t>
+              <a:t>3/27/19</a:t>
             </a:fld>
             <a:endParaRPr lang="en-US"/>
           </a:p>
@@ -1612,7 +1617,7 @@
           <a:p>
             <a:fld id="{DE8BD430-E2D2-594E-B6AF-4EE6CB881D48}" type="datetimeFigureOut">
               <a:rPr lang="en-US" smtClean="0"/>
-              <a:t>3/20/19</a:t>
+              <a:t>3/27/19</a:t>
             </a:fld>
             <a:endParaRPr lang="en-US"/>
           </a:p>
@@ -1730,7 +1735,7 @@
           <a:p>
             <a:fld id="{DE8BD430-E2D2-594E-B6AF-4EE6CB881D48}" type="datetimeFigureOut">
               <a:rPr lang="en-US" smtClean="0"/>
-              <a:t>3/20/19</a:t>
+              <a:t>3/27/19</a:t>
             </a:fld>
             <a:endParaRPr lang="en-US"/>
           </a:p>
@@ -1825,7 +1830,7 @@
           <a:p>
             <a:fld id="{DE8BD430-E2D2-594E-B6AF-4EE6CB881D48}" type="datetimeFigureOut">
               <a:rPr lang="en-US" smtClean="0"/>
-              <a:t>3/20/19</a:t>
+              <a:t>3/27/19</a:t>
             </a:fld>
             <a:endParaRPr lang="en-US"/>
           </a:p>
@@ -2102,7 +2107,7 @@
           <a:p>
             <a:fld id="{DE8BD430-E2D2-594E-B6AF-4EE6CB881D48}" type="datetimeFigureOut">
               <a:rPr lang="en-US" smtClean="0"/>
-              <a:t>3/20/19</a:t>
+              <a:t>3/27/19</a:t>
             </a:fld>
             <a:endParaRPr lang="en-US"/>
           </a:p>
@@ -2355,7 +2360,7 @@
           <a:p>
             <a:fld id="{DE8BD430-E2D2-594E-B6AF-4EE6CB881D48}" type="datetimeFigureOut">
               <a:rPr lang="en-US" smtClean="0"/>
-              <a:t>3/20/19</a:t>
+              <a:t>3/27/19</a:t>
             </a:fld>
             <a:endParaRPr lang="en-US"/>
           </a:p>
@@ -2568,7 +2573,7 @@
           <a:p>
             <a:fld id="{DE8BD430-E2D2-594E-B6AF-4EE6CB881D48}" type="datetimeFigureOut">
               <a:rPr lang="en-US" smtClean="0"/>
-              <a:t>3/20/19</a:t>
+              <a:t>3/27/19</a:t>
             </a:fld>
             <a:endParaRPr lang="en-US"/>
           </a:p>
@@ -3058,6 +3063,87 @@
 </p:sld>
 </file>
 
+<file path=ppt/slides/slide10.xml><?xml version="1.0" encoding="utf-8"?>
+<p:sld xmlns:a="http://schemas.openxmlformats.org/drawingml/2006/main" xmlns:r="http://schemas.openxmlformats.org/officeDocument/2006/relationships" xmlns:p="http://schemas.openxmlformats.org/presentationml/2006/main">
+  <p:cSld>
+    <p:spTree>
+      <p:nvGrpSpPr>
+        <p:cNvPr id="1" name=""/>
+        <p:cNvGrpSpPr/>
+        <p:nvPr/>
+      </p:nvGrpSpPr>
+      <p:grpSpPr>
+        <a:xfrm>
+          <a:off x="0" y="0"/>
+          <a:ext cx="0" cy="0"/>
+          <a:chOff x="0" y="0"/>
+          <a:chExt cx="0" cy="0"/>
+        </a:xfrm>
+      </p:grpSpPr>
+      <p:sp>
+        <p:nvSpPr>
+          <p:cNvPr id="2" name="TextBox 1"/>
+          <p:cNvSpPr txBox="1"/>
+          <p:nvPr/>
+        </p:nvSpPr>
+        <p:spPr>
+          <a:xfrm>
+            <a:off x="867508" y="844061"/>
+            <a:ext cx="10023230" cy="880947"/>
+          </a:xfrm>
+          <a:prstGeom prst="rect">
+            <a:avLst/>
+          </a:prstGeom>
+          <a:noFill/>
+        </p:spPr>
+        <p:txBody>
+          <a:bodyPr wrap="square" rtlCol="0">
+            <a:spAutoFit/>
+          </a:bodyPr>
+          <a:lstStyle/>
+          <a:p>
+            <a:pPr>
+              <a:lnSpc>
+                <a:spcPct val="150000"/>
+              </a:lnSpc>
+            </a:pPr>
+            <a:r>
+              <a:rPr lang="zh-CN" altLang="en-US" dirty="0"/>
+              <a:t>接下来，应用后代矢量</a:t>
+            </a:r>
+            <a:r>
+              <a:rPr lang="en-US" altLang="zh-CN" dirty="0"/>
+              <a:t>U</a:t>
+            </a:r>
+            <a:r>
+              <a:rPr lang="zh-CN" altLang="en-US" dirty="0"/>
+              <a:t>与其父矢量</a:t>
+            </a:r>
+            <a:r>
+              <a:rPr lang="en-US" altLang="zh-CN" dirty="0"/>
+              <a:t>P</a:t>
+            </a:r>
+            <a:r>
+              <a:rPr lang="zh-CN" altLang="en-US" dirty="0"/>
+              <a:t>之间的贪婪选择，并且选择具有最佳适应值（类间方差）的矢量用于下一代。</a:t>
+            </a:r>
+            <a:endParaRPr lang="en-US" dirty="0"/>
+          </a:p>
+        </p:txBody>
+      </p:sp>
+    </p:spTree>
+    <p:extLst>
+      <p:ext uri="{BB962C8B-B14F-4D97-AF65-F5344CB8AC3E}">
+        <p14:creationId xmlns:p14="http://schemas.microsoft.com/office/powerpoint/2010/main" val="1320346628"/>
+      </p:ext>
+    </p:extLst>
+  </p:cSld>
+  <p:clrMapOvr>
+    <a:masterClrMapping/>
+  </p:clrMapOvr>
+</p:sld>
+</file>
+
 <file path=ppt/slides/slide2.xml><?xml version="1.0" encoding="utf-8"?>
 <p:sld xmlns:a="http://schemas.openxmlformats.org/drawingml/2006/main" xmlns:r="http://schemas.openxmlformats.org/officeDocument/2006/relationships" xmlns:p="http://schemas.openxmlformats.org/presentationml/2006/main">
   <p:cSld>
@@ -3425,11 +3511,7 @@
             </a:r>
             <a:r>
               <a:rPr lang="en-US" dirty="0"/>
-              <a:t> </a:t>
-            </a:r>
-            <a:r>
-              <a:rPr lang="en-US" dirty="0"/>
-              <a:t>Cellular </a:t>
+              <a:t> Cellular </a:t>
             </a:r>
             <a:r>
               <a:rPr lang="en-US" dirty="0" smtClean="0"/>
@@ -3460,15 +3542,7 @@
             </a:pPr>
             <a:r>
               <a:rPr lang="zh-CN" altLang="en-US" dirty="0"/>
-              <a:t>基于作为目标函数的类间</a:t>
-            </a:r>
-            <a:r>
-              <a:rPr lang="zh-CN" altLang="en-US" dirty="0"/>
-              <a:t>方差</a:t>
-            </a:r>
-            <a:r>
-              <a:rPr lang="zh-CN" altLang="en-US" dirty="0"/>
-              <a:t>，将所提出的</a:t>
+              <a:t>基于作为目标函数的类间方差，将所提出的</a:t>
             </a:r>
             <a:r>
               <a:rPr lang="en-US" dirty="0"/>
@@ -3557,7 +3631,7 @@
         <p:spPr>
           <a:xfrm>
             <a:off x="1004711" y="869244"/>
-            <a:ext cx="10250311" cy="2723823"/>
+            <a:ext cx="10250311" cy="3970318"/>
           </a:xfrm>
           <a:prstGeom prst="rect">
             <a:avLst/>
@@ -3629,18 +3703,1473 @@
               <a:rPr lang="zh-CN" altLang="en-US" dirty="0">
                 <a:latin typeface="+mn-ea"/>
               </a:rPr>
-              <a:t>图像中，通过组合三个分量（红色，绿色和蓝色）来计算每个像素的值。 每个组件分别被视为灰度图像。 因此，可以为每个组件写入多个阈值的目标函数，如下所示：</a:t>
-            </a:r>
+              <a:t>图像中，通过组合三个分量（红色，绿色和蓝色）来计算每个像素的值。 每个组件分别被视为灰度图像。 因此，可以为每个组件写入多个阈值的目标函数，如下所示</a:t>
+            </a:r>
+            <a:r>
+              <a:rPr lang="zh-CN" altLang="en-US" dirty="0" smtClean="0">
+                <a:latin typeface="+mn-ea"/>
+              </a:rPr>
+              <a:t>：</a:t>
+            </a:r>
+            <a:endParaRPr lang="en-US" altLang="zh-CN" dirty="0" smtClean="0">
+              <a:latin typeface="+mn-ea"/>
+            </a:endParaRPr>
+          </a:p>
+          <a:p>
+            <a:pPr>
+              <a:lnSpc>
+                <a:spcPct val="150000"/>
+              </a:lnSpc>
+            </a:pPr>
             <a:endParaRPr lang="en-US" dirty="0">
               <a:latin typeface="+mn-ea"/>
             </a:endParaRPr>
           </a:p>
-        </p:txBody>
-      </p:sp>
+          <a:p>
+            <a:pPr>
+              <a:lnSpc>
+                <a:spcPct val="150000"/>
+              </a:lnSpc>
+            </a:pPr>
+            <a:r>
+              <a:rPr lang="zh-CN" altLang="en-US" dirty="0" smtClean="0">
+                <a:latin typeface="+mn-ea"/>
+              </a:rPr>
+              <a:t>其中</a:t>
+            </a:r>
+            <a:r>
+              <a:rPr lang="en-US" altLang="zh-CN" dirty="0" smtClean="0">
+                <a:latin typeface="+mn-ea"/>
+              </a:rPr>
+              <a:t> L-1 </a:t>
+            </a:r>
+            <a:r>
+              <a:rPr lang="zh-CN" altLang="en-US" dirty="0" smtClean="0">
+                <a:latin typeface="+mn-ea"/>
+              </a:rPr>
+              <a:t>是</a:t>
+            </a:r>
+            <a:r>
+              <a:rPr lang="zh-CN" altLang="en-US" dirty="0">
+                <a:latin typeface="+mn-ea"/>
+              </a:rPr>
+              <a:t>最大灰度级强度</a:t>
+            </a:r>
+            <a:r>
+              <a:rPr lang="zh-CN" altLang="en-US" dirty="0" smtClean="0">
+                <a:latin typeface="+mn-ea"/>
+              </a:rPr>
+              <a:t>，</a:t>
+            </a:r>
+            <a:r>
+              <a:rPr lang="en-US" altLang="zh-CN" dirty="0" smtClean="0">
+                <a:latin typeface="+mn-ea"/>
+              </a:rPr>
+              <a:t>                    </a:t>
+            </a:r>
+            <a:r>
+              <a:rPr lang="zh-CN" altLang="en-US" dirty="0" smtClean="0">
+                <a:latin typeface="+mn-ea"/>
+              </a:rPr>
+              <a:t>是</a:t>
+            </a:r>
+            <a:r>
+              <a:rPr lang="zh-CN" altLang="en-US" dirty="0">
+                <a:latin typeface="+mn-ea"/>
+              </a:rPr>
+              <a:t>给定阈值</a:t>
+            </a:r>
+            <a:r>
+              <a:rPr lang="zh-CN" altLang="en-US" dirty="0" smtClean="0">
+                <a:latin typeface="+mn-ea"/>
+              </a:rPr>
+              <a:t>向量</a:t>
+            </a:r>
+            <a:r>
+              <a:rPr lang="en-US" altLang="zh-CN" dirty="0" smtClean="0">
+                <a:latin typeface="+mn-ea"/>
+              </a:rPr>
+              <a:t>                  </a:t>
+            </a:r>
+            <a:r>
+              <a:rPr lang="zh-CN" altLang="en-US" dirty="0" smtClean="0">
+                <a:latin typeface="+mn-ea"/>
+              </a:rPr>
+              <a:t>的</a:t>
+            </a:r>
+            <a:r>
+              <a:rPr lang="zh-CN" altLang="en-US" dirty="0">
+                <a:latin typeface="+mn-ea"/>
+              </a:rPr>
+              <a:t>类间方差</a:t>
+            </a:r>
+            <a:r>
+              <a:rPr lang="zh-CN" altLang="en-US" dirty="0" smtClean="0">
+                <a:latin typeface="+mn-ea"/>
+              </a:rPr>
+              <a:t>，</a:t>
+            </a:r>
+            <a:r>
+              <a:rPr lang="en-US" altLang="zh-CN" dirty="0" smtClean="0">
+                <a:latin typeface="+mn-ea"/>
+              </a:rPr>
+              <a:t>                </a:t>
+            </a:r>
+            <a:r>
+              <a:rPr lang="zh-CN" altLang="en-US" dirty="0" smtClean="0">
+                <a:latin typeface="+mn-ea"/>
+              </a:rPr>
+              <a:t>是</a:t>
+            </a:r>
+            <a:r>
+              <a:rPr lang="zh-CN" altLang="en-US" dirty="0">
+                <a:latin typeface="+mn-ea"/>
+              </a:rPr>
+              <a:t>使方差最大的最佳阈值向量。</a:t>
+            </a:r>
+            <a:endParaRPr lang="en-US" dirty="0">
+              <a:latin typeface="+mn-ea"/>
+            </a:endParaRPr>
+          </a:p>
+        </p:txBody>
+      </p:sp>
+      <p:pic>
+        <p:nvPicPr>
+          <p:cNvPr id="3" name="Picture 2"/>
+          <p:cNvPicPr>
+            <a:picLocks noChangeAspect="1"/>
+          </p:cNvPicPr>
+          <p:nvPr/>
+        </p:nvPicPr>
+        <p:blipFill>
+          <a:blip r:embed="rId2">
+            <a:extLst>
+              <a:ext uri="{28A0092B-C50C-407E-A947-70E740481C1C}">
+                <a14:useLocalDpi xmlns:a14="http://schemas.microsoft.com/office/drawing/2010/main" val="0"/>
+              </a:ext>
+            </a:extLst>
+          </a:blip>
+          <a:stretch>
+            <a:fillRect/>
+          </a:stretch>
+        </p:blipFill>
+        <p:spPr>
+          <a:xfrm>
+            <a:off x="4123266" y="3412444"/>
+            <a:ext cx="4013200" cy="469900"/>
+          </a:xfrm>
+          <a:prstGeom prst="rect">
+            <a:avLst/>
+          </a:prstGeom>
+        </p:spPr>
+      </p:pic>
+      <p:pic>
+        <p:nvPicPr>
+          <p:cNvPr id="4" name="Picture 3"/>
+          <p:cNvPicPr>
+            <a:picLocks noChangeAspect="1"/>
+          </p:cNvPicPr>
+          <p:nvPr/>
+        </p:nvPicPr>
+        <p:blipFill>
+          <a:blip r:embed="rId3">
+            <a:extLst>
+              <a:ext uri="{28A0092B-C50C-407E-A947-70E740481C1C}">
+                <a14:useLocalDpi xmlns:a14="http://schemas.microsoft.com/office/drawing/2010/main" val="0"/>
+              </a:ext>
+            </a:extLst>
+          </a:blip>
+          <a:stretch>
+            <a:fillRect/>
+          </a:stretch>
+        </p:blipFill>
+        <p:spPr>
+          <a:xfrm>
+            <a:off x="3942644" y="4030753"/>
+            <a:ext cx="1371600" cy="330200"/>
+          </a:xfrm>
+          <a:prstGeom prst="rect">
+            <a:avLst/>
+          </a:prstGeom>
+        </p:spPr>
+      </p:pic>
+      <p:pic>
+        <p:nvPicPr>
+          <p:cNvPr id="5" name="Picture 4"/>
+          <p:cNvPicPr>
+            <a:picLocks noChangeAspect="1"/>
+          </p:cNvPicPr>
+          <p:nvPr/>
+        </p:nvPicPr>
+        <p:blipFill>
+          <a:blip r:embed="rId4">
+            <a:extLst>
+              <a:ext uri="{28A0092B-C50C-407E-A947-70E740481C1C}">
+                <a14:useLocalDpi xmlns:a14="http://schemas.microsoft.com/office/drawing/2010/main" val="0"/>
+              </a:ext>
+            </a:extLst>
+          </a:blip>
+          <a:stretch>
+            <a:fillRect/>
+          </a:stretch>
+        </p:blipFill>
+        <p:spPr>
+          <a:xfrm>
+            <a:off x="9253415" y="4030753"/>
+            <a:ext cx="1117600" cy="304800"/>
+          </a:xfrm>
+          <a:prstGeom prst="rect">
+            <a:avLst/>
+          </a:prstGeom>
+        </p:spPr>
+      </p:pic>
+      <p:pic>
+        <p:nvPicPr>
+          <p:cNvPr id="6" name="Picture 5"/>
+          <p:cNvPicPr>
+            <a:picLocks noChangeAspect="1"/>
+          </p:cNvPicPr>
+          <p:nvPr/>
+        </p:nvPicPr>
+        <p:blipFill>
+          <a:blip r:embed="rId5">
+            <a:extLst>
+              <a:ext uri="{28A0092B-C50C-407E-A947-70E740481C1C}">
+                <a14:useLocalDpi xmlns:a14="http://schemas.microsoft.com/office/drawing/2010/main" val="0"/>
+              </a:ext>
+            </a:extLst>
+          </a:blip>
+          <a:stretch>
+            <a:fillRect/>
+          </a:stretch>
+        </p:blipFill>
+        <p:spPr>
+          <a:xfrm>
+            <a:off x="6933222" y="4029744"/>
+            <a:ext cx="1079500" cy="304800"/>
+          </a:xfrm>
+          <a:prstGeom prst="rect">
+            <a:avLst/>
+          </a:prstGeom>
+        </p:spPr>
+      </p:pic>
     </p:spTree>
     <p:extLst>
       <p:ext uri="{BB962C8B-B14F-4D97-AF65-F5344CB8AC3E}">
         <p14:creationId xmlns:p14="http://schemas.microsoft.com/office/powerpoint/2010/main" val="1849874931"/>
+      </p:ext>
+    </p:extLst>
+  </p:cSld>
+  <p:clrMapOvr>
+    <a:masterClrMapping/>
+  </p:clrMapOvr>
+</p:sld>
+</file>
+
+<file path=ppt/slides/slide6.xml><?xml version="1.0" encoding="utf-8"?>
+<p:sld xmlns:a="http://schemas.openxmlformats.org/drawingml/2006/main" xmlns:r="http://schemas.openxmlformats.org/officeDocument/2006/relationships" xmlns:p="http://schemas.openxmlformats.org/presentationml/2006/main">
+  <p:cSld>
+    <p:spTree>
+      <p:nvGrpSpPr>
+        <p:cNvPr id="1" name=""/>
+        <p:cNvGrpSpPr/>
+        <p:nvPr/>
+      </p:nvGrpSpPr>
+      <p:grpSpPr>
+        <a:xfrm>
+          <a:off x="0" y="0"/>
+          <a:ext cx="0" cy="0"/>
+          <a:chOff x="0" y="0"/>
+          <a:chExt cx="0" cy="0"/>
+        </a:xfrm>
+      </p:grpSpPr>
+      <p:sp>
+        <p:nvSpPr>
+          <p:cNvPr id="2" name="TextBox 1"/>
+          <p:cNvSpPr txBox="1"/>
+          <p:nvPr/>
+        </p:nvSpPr>
+        <p:spPr>
+          <a:xfrm>
+            <a:off x="914400" y="890954"/>
+            <a:ext cx="10351477" cy="5909310"/>
+          </a:xfrm>
+          <a:prstGeom prst="rect">
+            <a:avLst/>
+          </a:prstGeom>
+          <a:noFill/>
+        </p:spPr>
+        <p:txBody>
+          <a:bodyPr wrap="square" rtlCol="0">
+            <a:spAutoFit/>
+          </a:bodyPr>
+          <a:lstStyle/>
+          <a:p>
+            <a:r>
+              <a:rPr lang="zh-CN" altLang="en-US" dirty="0" smtClean="0"/>
+              <a:t>类间方差是通过以下公式计算的：</a:t>
+            </a:r>
+            <a:endParaRPr lang="en-US" altLang="zh-CN" dirty="0" smtClean="0"/>
+          </a:p>
+          <a:p>
+            <a:endParaRPr lang="en-US" altLang="zh-CN" dirty="0"/>
+          </a:p>
+          <a:p>
+            <a:endParaRPr lang="en-US" altLang="zh-CN" dirty="0" smtClean="0"/>
+          </a:p>
+          <a:p>
+            <a:r>
+              <a:rPr lang="zh-CN" altLang="en-US" dirty="0" smtClean="0"/>
+              <a:t>其中 </a:t>
+            </a:r>
+            <a:r>
+              <a:rPr lang="en-US" altLang="zh-CN" dirty="0" err="1" smtClean="0"/>
+              <a:t>i</a:t>
+            </a:r>
+            <a:r>
+              <a:rPr lang="zh-CN" altLang="en-US" dirty="0" smtClean="0"/>
+              <a:t> 代表类</a:t>
+            </a:r>
+            <a:r>
+              <a:rPr lang="zh-CN" altLang="en-US" dirty="0"/>
+              <a:t>编号， </a:t>
+            </a:r>
+            <a:r>
+              <a:rPr lang="zh-CN" altLang="en-US" dirty="0" smtClean="0"/>
+              <a:t>                    分别</a:t>
+            </a:r>
+            <a:r>
+              <a:rPr lang="zh-CN" altLang="en-US" dirty="0"/>
+              <a:t>是类的概率，类的平均灰度级和图像的总平均灰度级。 </a:t>
+            </a:r>
+            <a:endParaRPr lang="en-US" altLang="zh-CN" dirty="0" smtClean="0"/>
+          </a:p>
+          <a:p>
+            <a:endParaRPr lang="en-US" altLang="zh-CN" dirty="0"/>
+          </a:p>
+          <a:p>
+            <a:r>
+              <a:rPr lang="zh-CN" altLang="en-US" dirty="0" smtClean="0"/>
+              <a:t>在</a:t>
+            </a:r>
+            <a:r>
+              <a:rPr lang="zh-CN" altLang="en-US" dirty="0"/>
+              <a:t>多级阈值处理中</a:t>
+            </a:r>
+            <a:r>
+              <a:rPr lang="zh-CN" altLang="en-US" dirty="0" smtClean="0"/>
+              <a:t>，这些值是这么获得的：</a:t>
+            </a:r>
+            <a:endParaRPr lang="en-US" altLang="zh-CN" dirty="0" smtClean="0"/>
+          </a:p>
+          <a:p>
+            <a:endParaRPr lang="en-US" altLang="zh-CN" dirty="0" smtClean="0"/>
+          </a:p>
+          <a:p>
+            <a:endParaRPr lang="en-US" dirty="0" smtClean="0"/>
+          </a:p>
+          <a:p>
+            <a:endParaRPr lang="en-US" dirty="0"/>
+          </a:p>
+          <a:p>
+            <a:endParaRPr lang="en-US" dirty="0" smtClean="0"/>
+          </a:p>
+          <a:p>
+            <a:endParaRPr lang="en-US" dirty="0"/>
+          </a:p>
+          <a:p>
+            <a:r>
+              <a:rPr lang="zh-CN" altLang="en-US" dirty="0" smtClean="0"/>
+              <a:t>其中</a:t>
+            </a:r>
+            <a:r>
+              <a:rPr lang="en-US" altLang="zh-CN" dirty="0" smtClean="0"/>
+              <a:t> p </a:t>
+            </a:r>
+            <a:r>
+              <a:rPr lang="zh-CN" altLang="en-US" dirty="0" smtClean="0"/>
+              <a:t>是</a:t>
+            </a:r>
+            <a:r>
+              <a:rPr lang="zh-CN" altLang="en-US" dirty="0"/>
+              <a:t>强度</a:t>
+            </a:r>
+            <a:r>
+              <a:rPr lang="zh-CN" altLang="en-US" dirty="0" smtClean="0"/>
+              <a:t>等级</a:t>
+            </a:r>
+            <a:r>
+              <a:rPr lang="en-US" altLang="zh-CN" dirty="0" smtClean="0"/>
+              <a:t> j </a:t>
+            </a:r>
+            <a:r>
+              <a:rPr lang="zh-CN" altLang="en-US" dirty="0" smtClean="0"/>
+              <a:t>的</a:t>
+            </a:r>
+            <a:r>
+              <a:rPr lang="zh-CN" altLang="en-US" dirty="0"/>
+              <a:t>归一化概率，计算如下：</a:t>
+            </a:r>
+            <a:endParaRPr lang="en-US" dirty="0" smtClean="0"/>
+          </a:p>
+          <a:p>
+            <a:endParaRPr lang="en-US" dirty="0" smtClean="0"/>
+          </a:p>
+          <a:p>
+            <a:endParaRPr lang="en-US" dirty="0"/>
+          </a:p>
+          <a:p>
+            <a:endParaRPr lang="en-US" dirty="0" smtClean="0"/>
+          </a:p>
+          <a:p>
+            <a:pPr>
+              <a:lnSpc>
+                <a:spcPct val="150000"/>
+              </a:lnSpc>
+            </a:pPr>
+            <a:r>
+              <a:rPr lang="zh-CN" altLang="en-US" dirty="0" smtClean="0"/>
+              <a:t>其中</a:t>
+            </a:r>
+            <a:r>
+              <a:rPr lang="en-US" altLang="zh-CN" dirty="0" smtClean="0"/>
+              <a:t> j </a:t>
+            </a:r>
+            <a:r>
+              <a:rPr lang="zh-CN" altLang="en-US" dirty="0" smtClean="0"/>
+              <a:t>是</a:t>
+            </a:r>
+            <a:r>
+              <a:rPr lang="zh-CN" altLang="en-US" dirty="0"/>
+              <a:t>特定强度</a:t>
+            </a:r>
+            <a:r>
+              <a:rPr lang="zh-CN" altLang="en-US" dirty="0" smtClean="0"/>
+              <a:t>等级，而</a:t>
+            </a:r>
+            <a:r>
+              <a:rPr lang="en-US" altLang="zh-CN" dirty="0" smtClean="0"/>
+              <a:t> N </a:t>
+            </a:r>
+            <a:r>
+              <a:rPr lang="zh-CN" altLang="en-US" dirty="0" smtClean="0"/>
+              <a:t>是</a:t>
+            </a:r>
+            <a:r>
+              <a:rPr lang="zh-CN" altLang="en-US" dirty="0"/>
+              <a:t>图像中像素的</a:t>
+            </a:r>
+            <a:r>
+              <a:rPr lang="zh-CN" altLang="en-US" dirty="0" smtClean="0"/>
+              <a:t>总数</a:t>
+            </a:r>
+            <a:r>
+              <a:rPr lang="zh-CN" altLang="en-US" dirty="0"/>
+              <a:t>。</a:t>
+            </a:r>
+            <a:r>
+              <a:rPr lang="zh-CN" altLang="en-US" dirty="0" smtClean="0"/>
+              <a:t> </a:t>
+            </a:r>
+            <a:r>
+              <a:rPr lang="en-US" altLang="zh-CN" dirty="0" smtClean="0"/>
+              <a:t>h</a:t>
+            </a:r>
+            <a:r>
+              <a:rPr lang="zh-CN" altLang="en-US" dirty="0" smtClean="0"/>
+              <a:t> 是</a:t>
+            </a:r>
+            <a:r>
+              <a:rPr lang="zh-CN" altLang="en-US" dirty="0"/>
+              <a:t>对应于</a:t>
+            </a:r>
+            <a:r>
+              <a:rPr lang="zh-CN" altLang="en-US" dirty="0" smtClean="0"/>
+              <a:t>强度 </a:t>
+            </a:r>
+            <a:r>
+              <a:rPr lang="en-US" altLang="zh-CN" dirty="0" smtClean="0"/>
+              <a:t>j</a:t>
+            </a:r>
+            <a:r>
+              <a:rPr lang="zh-CN" altLang="en-US" dirty="0" smtClean="0"/>
+              <a:t> 水平</a:t>
+            </a:r>
+            <a:r>
+              <a:rPr lang="zh-CN" altLang="en-US" dirty="0"/>
+              <a:t>的像素数。 直方图在概率</a:t>
+            </a:r>
+            <a:r>
+              <a:rPr lang="zh-CN" altLang="en-US" dirty="0" smtClean="0"/>
+              <a:t>分布 </a:t>
+            </a:r>
+            <a:r>
+              <a:rPr lang="en-US" altLang="zh-CN" dirty="0" smtClean="0"/>
+              <a:t>p</a:t>
+            </a:r>
+            <a:r>
+              <a:rPr lang="zh-CN" altLang="en-US" dirty="0" smtClean="0"/>
+              <a:t> 内</a:t>
+            </a:r>
+            <a:r>
+              <a:rPr lang="zh-CN" altLang="en-US" dirty="0"/>
+              <a:t>归一化。</a:t>
+            </a:r>
+            <a:endParaRPr lang="en-US" dirty="0"/>
+          </a:p>
+          <a:p>
+            <a:endParaRPr lang="en-US" dirty="0" smtClean="0"/>
+          </a:p>
+          <a:p>
+            <a:endParaRPr lang="en-US" dirty="0"/>
+          </a:p>
+          <a:p>
+            <a:endParaRPr lang="en-US" dirty="0"/>
+          </a:p>
+        </p:txBody>
+      </p:sp>
+      <p:pic>
+        <p:nvPicPr>
+          <p:cNvPr id="3" name="Picture 2"/>
+          <p:cNvPicPr>
+            <a:picLocks noChangeAspect="1"/>
+          </p:cNvPicPr>
+          <p:nvPr/>
+        </p:nvPicPr>
+        <p:blipFill>
+          <a:blip r:embed="rId2">
+            <a:extLst>
+              <a:ext uri="{28A0092B-C50C-407E-A947-70E740481C1C}">
+                <a14:useLocalDpi xmlns:a14="http://schemas.microsoft.com/office/drawing/2010/main" val="0"/>
+              </a:ext>
+            </a:extLst>
+          </a:blip>
+          <a:stretch>
+            <a:fillRect/>
+          </a:stretch>
+        </p:blipFill>
+        <p:spPr>
+          <a:xfrm>
+            <a:off x="5061438" y="1085275"/>
+            <a:ext cx="2057400" cy="647700"/>
+          </a:xfrm>
+          <a:prstGeom prst="rect">
+            <a:avLst/>
+          </a:prstGeom>
+        </p:spPr>
+      </p:pic>
+      <p:pic>
+        <p:nvPicPr>
+          <p:cNvPr id="4" name="Picture 3"/>
+          <p:cNvPicPr>
+            <a:picLocks noChangeAspect="1"/>
+          </p:cNvPicPr>
+          <p:nvPr/>
+        </p:nvPicPr>
+        <p:blipFill>
+          <a:blip r:embed="rId3">
+            <a:extLst>
+              <a:ext uri="{28A0092B-C50C-407E-A947-70E740481C1C}">
+                <a14:useLocalDpi xmlns:a14="http://schemas.microsoft.com/office/drawing/2010/main" val="0"/>
+              </a:ext>
+            </a:extLst>
+          </a:blip>
+          <a:stretch>
+            <a:fillRect/>
+          </a:stretch>
+        </p:blipFill>
+        <p:spPr>
+          <a:xfrm>
+            <a:off x="2836009" y="1732975"/>
+            <a:ext cx="1244600" cy="304800"/>
+          </a:xfrm>
+          <a:prstGeom prst="rect">
+            <a:avLst/>
+          </a:prstGeom>
+        </p:spPr>
+      </p:pic>
+      <p:pic>
+        <p:nvPicPr>
+          <p:cNvPr id="5" name="Picture 4"/>
+          <p:cNvPicPr>
+            <a:picLocks noChangeAspect="1"/>
+          </p:cNvPicPr>
+          <p:nvPr/>
+        </p:nvPicPr>
+        <p:blipFill>
+          <a:blip r:embed="rId4">
+            <a:extLst>
+              <a:ext uri="{28A0092B-C50C-407E-A947-70E740481C1C}">
+                <a14:useLocalDpi xmlns:a14="http://schemas.microsoft.com/office/drawing/2010/main" val="0"/>
+              </a:ext>
+            </a:extLst>
+          </a:blip>
+          <a:stretch>
+            <a:fillRect/>
+          </a:stretch>
+        </p:blipFill>
+        <p:spPr>
+          <a:xfrm>
+            <a:off x="4699488" y="2582985"/>
+            <a:ext cx="2781300" cy="1257300"/>
+          </a:xfrm>
+          <a:prstGeom prst="rect">
+            <a:avLst/>
+          </a:prstGeom>
+        </p:spPr>
+      </p:pic>
+      <p:pic>
+        <p:nvPicPr>
+          <p:cNvPr id="6" name="Picture 5"/>
+          <p:cNvPicPr>
+            <a:picLocks noChangeAspect="1"/>
+          </p:cNvPicPr>
+          <p:nvPr/>
+        </p:nvPicPr>
+        <p:blipFill>
+          <a:blip r:embed="rId5">
+            <a:extLst>
+              <a:ext uri="{28A0092B-C50C-407E-A947-70E740481C1C}">
+                <a14:useLocalDpi xmlns:a14="http://schemas.microsoft.com/office/drawing/2010/main" val="0"/>
+              </a:ext>
+            </a:extLst>
+          </a:blip>
+          <a:stretch>
+            <a:fillRect/>
+          </a:stretch>
+        </p:blipFill>
+        <p:spPr>
+          <a:xfrm>
+            <a:off x="5556738" y="4249616"/>
+            <a:ext cx="1066800" cy="609600"/>
+          </a:xfrm>
+          <a:prstGeom prst="rect">
+            <a:avLst/>
+          </a:prstGeom>
+        </p:spPr>
+      </p:pic>
+    </p:spTree>
+    <p:extLst>
+      <p:ext uri="{BB962C8B-B14F-4D97-AF65-F5344CB8AC3E}">
+        <p14:creationId xmlns:p14="http://schemas.microsoft.com/office/powerpoint/2010/main" val="427690005"/>
+      </p:ext>
+    </p:extLst>
+  </p:cSld>
+  <p:clrMapOvr>
+    <a:masterClrMapping/>
+  </p:clrMapOvr>
+</p:sld>
+</file>
+
+<file path=ppt/slides/slide7.xml><?xml version="1.0" encoding="utf-8"?>
+<p:sld xmlns:a="http://schemas.openxmlformats.org/drawingml/2006/main" xmlns:r="http://schemas.openxmlformats.org/officeDocument/2006/relationships" xmlns:p="http://schemas.openxmlformats.org/presentationml/2006/main">
+  <p:cSld>
+    <p:spTree>
+      <p:nvGrpSpPr>
+        <p:cNvPr id="1" name=""/>
+        <p:cNvGrpSpPr/>
+        <p:nvPr/>
+      </p:nvGrpSpPr>
+      <p:grpSpPr>
+        <a:xfrm>
+          <a:off x="0" y="0"/>
+          <a:ext cx="0" cy="0"/>
+          <a:chOff x="0" y="0"/>
+          <a:chExt cx="0" cy="0"/>
+        </a:xfrm>
+      </p:grpSpPr>
+      <p:sp>
+        <p:nvSpPr>
+          <p:cNvPr id="4" name="TextBox 3"/>
+          <p:cNvSpPr txBox="1"/>
+          <p:nvPr/>
+        </p:nvSpPr>
+        <p:spPr>
+          <a:xfrm>
+            <a:off x="937846" y="914400"/>
+            <a:ext cx="10199077" cy="3139321"/>
+          </a:xfrm>
+          <a:prstGeom prst="rect">
+            <a:avLst/>
+          </a:prstGeom>
+          <a:noFill/>
+        </p:spPr>
+        <p:txBody>
+          <a:bodyPr wrap="square" rtlCol="0">
+            <a:spAutoFit/>
+          </a:bodyPr>
+          <a:lstStyle/>
+          <a:p>
+            <a:r>
+              <a:rPr lang="zh-CN" altLang="en-US" dirty="0" smtClean="0"/>
+              <a:t>四、差分进化</a:t>
+            </a:r>
+            <a:endParaRPr lang="en-US" altLang="zh-CN" dirty="0" smtClean="0"/>
+          </a:p>
+          <a:p>
+            <a:endParaRPr lang="en-US" dirty="0"/>
+          </a:p>
+          <a:p>
+            <a:pPr>
+              <a:lnSpc>
+                <a:spcPct val="150000"/>
+              </a:lnSpc>
+            </a:pPr>
+            <a:r>
+              <a:rPr lang="en-US" altLang="zh-CN" dirty="0" smtClean="0"/>
+              <a:t>DE</a:t>
+            </a:r>
+            <a:r>
+              <a:rPr lang="zh-CN" altLang="en-US" dirty="0"/>
+              <a:t>算法是一种随机且简单但功能强大的方法，已成功应用于解决全局优化问题。 </a:t>
+            </a:r>
+            <a:r>
+              <a:rPr lang="en-US" altLang="zh-CN" dirty="0"/>
+              <a:t>DE</a:t>
+            </a:r>
+            <a:r>
+              <a:rPr lang="zh-CN" altLang="en-US" dirty="0"/>
+              <a:t>背后的主要思想是基于当前解决方案群体的差异和方向信息。此外，</a:t>
+            </a:r>
+            <a:r>
+              <a:rPr lang="en-US" altLang="zh-CN" dirty="0"/>
+              <a:t>DE</a:t>
+            </a:r>
+            <a:r>
+              <a:rPr lang="zh-CN" altLang="en-US" dirty="0"/>
+              <a:t>使用算术变异算子，该算子取决于随机选择的个体之间的差异。与其他进化算法一样，</a:t>
+            </a:r>
+            <a:r>
+              <a:rPr lang="en-US" altLang="zh-CN" dirty="0"/>
+              <a:t>DE</a:t>
+            </a:r>
+            <a:r>
+              <a:rPr lang="zh-CN" altLang="en-US" dirty="0"/>
+              <a:t>遵循进化过程的一般步骤：随机生成初始种群然后进行</a:t>
+            </a:r>
+            <a:r>
+              <a:rPr lang="zh-CN" altLang="en-US" dirty="0" smtClean="0"/>
+              <a:t>评估；接下来</a:t>
+            </a:r>
+            <a:r>
+              <a:rPr lang="zh-CN" altLang="en-US" dirty="0"/>
+              <a:t>，算法进入创建</a:t>
+            </a:r>
+            <a:r>
+              <a:rPr lang="zh-CN" altLang="en-US" dirty="0" smtClean="0"/>
+              <a:t>后代、评估</a:t>
+            </a:r>
+            <a:r>
+              <a:rPr lang="zh-CN" altLang="en-US" dirty="0"/>
+              <a:t>后代和选择个体以创建下一代的循环。在这项工作中使用的</a:t>
+            </a:r>
+            <a:r>
+              <a:rPr lang="en-US" altLang="zh-CN" dirty="0"/>
+              <a:t>DE</a:t>
+            </a:r>
+            <a:r>
+              <a:rPr lang="zh-CN" altLang="en-US" dirty="0"/>
+              <a:t>算法的版本</a:t>
+            </a:r>
+            <a:r>
+              <a:rPr lang="zh-CN" altLang="en-US" dirty="0" smtClean="0"/>
+              <a:t>称为 </a:t>
+            </a:r>
+            <a:r>
+              <a:rPr lang="en-US" altLang="zh-CN" dirty="0" smtClean="0"/>
+              <a:t>DE/rand/1/bin</a:t>
+            </a:r>
+            <a:r>
+              <a:rPr lang="zh-CN" altLang="en-US" dirty="0"/>
+              <a:t>，它是</a:t>
+            </a:r>
+            <a:r>
+              <a:rPr lang="en-US" altLang="zh-CN" dirty="0"/>
+              <a:t>DE</a:t>
+            </a:r>
+            <a:r>
+              <a:rPr lang="zh-CN" altLang="en-US" dirty="0"/>
+              <a:t>的最早变体之一，也是最常用的</a:t>
+            </a:r>
+            <a:r>
+              <a:rPr lang="zh-CN" altLang="en-US" dirty="0" smtClean="0"/>
+              <a:t>。下面是用于</a:t>
+            </a:r>
+            <a:r>
+              <a:rPr lang="zh-CN" altLang="en-US" dirty="0"/>
+              <a:t>多级阈值处理的</a:t>
+            </a:r>
+            <a:r>
+              <a:rPr lang="en-US" altLang="zh-CN" dirty="0"/>
+              <a:t>DE</a:t>
+            </a:r>
+            <a:r>
+              <a:rPr lang="zh-CN" altLang="en-US" dirty="0"/>
+              <a:t>算法的伪</a:t>
+            </a:r>
+            <a:r>
+              <a:rPr lang="zh-CN" altLang="en-US" dirty="0" smtClean="0"/>
+              <a:t>代码：</a:t>
+            </a:r>
+            <a:endParaRPr lang="en-US" dirty="0"/>
+          </a:p>
+        </p:txBody>
+      </p:sp>
+    </p:spTree>
+    <p:extLst>
+      <p:ext uri="{BB962C8B-B14F-4D97-AF65-F5344CB8AC3E}">
+        <p14:creationId xmlns:p14="http://schemas.microsoft.com/office/powerpoint/2010/main" val="1819841769"/>
+      </p:ext>
+    </p:extLst>
+  </p:cSld>
+  <p:clrMapOvr>
+    <a:masterClrMapping/>
+  </p:clrMapOvr>
+</p:sld>
+</file>
+
+<file path=ppt/slides/slide8.xml><?xml version="1.0" encoding="utf-8"?>
+<p:sld xmlns:a="http://schemas.openxmlformats.org/drawingml/2006/main" xmlns:r="http://schemas.openxmlformats.org/officeDocument/2006/relationships" xmlns:p="http://schemas.openxmlformats.org/presentationml/2006/main">
+  <p:cSld>
+    <p:spTree>
+      <p:nvGrpSpPr>
+        <p:cNvPr id="1" name=""/>
+        <p:cNvGrpSpPr/>
+        <p:nvPr/>
+      </p:nvGrpSpPr>
+      <p:grpSpPr>
+        <a:xfrm>
+          <a:off x="0" y="0"/>
+          <a:ext cx="0" cy="0"/>
+          <a:chOff x="0" y="0"/>
+          <a:chExt cx="0" cy="0"/>
+        </a:xfrm>
+      </p:grpSpPr>
+      <p:pic>
+        <p:nvPicPr>
+          <p:cNvPr id="2" name="Picture 1"/>
+          <p:cNvPicPr>
+            <a:picLocks noChangeAspect="1"/>
+          </p:cNvPicPr>
+          <p:nvPr/>
+        </p:nvPicPr>
+        <p:blipFill>
+          <a:blip r:embed="rId2">
+            <a:extLst>
+              <a:ext uri="{28A0092B-C50C-407E-A947-70E740481C1C}">
+                <a14:useLocalDpi xmlns:a14="http://schemas.microsoft.com/office/drawing/2010/main" val="0"/>
+              </a:ext>
+            </a:extLst>
+          </a:blip>
+          <a:stretch>
+            <a:fillRect/>
+          </a:stretch>
+        </p:blipFill>
+        <p:spPr>
+          <a:xfrm>
+            <a:off x="777632" y="431799"/>
+            <a:ext cx="8249056" cy="5324232"/>
+          </a:xfrm>
+          <a:prstGeom prst="rect">
+            <a:avLst/>
+          </a:prstGeom>
+        </p:spPr>
+      </p:pic>
+      <p:sp>
+        <p:nvSpPr>
+          <p:cNvPr id="4" name="TextBox 3"/>
+          <p:cNvSpPr txBox="1"/>
+          <p:nvPr/>
+        </p:nvSpPr>
+        <p:spPr>
+          <a:xfrm>
+            <a:off x="832338" y="5990492"/>
+            <a:ext cx="5357447" cy="369332"/>
+          </a:xfrm>
+          <a:prstGeom prst="rect">
+            <a:avLst/>
+          </a:prstGeom>
+          <a:noFill/>
+        </p:spPr>
+        <p:txBody>
+          <a:bodyPr wrap="square" rtlCol="0">
+            <a:spAutoFit/>
+          </a:bodyPr>
+          <a:lstStyle/>
+          <a:p>
+            <a:r>
+              <a:rPr lang="zh-CN" altLang="en-US" dirty="0" smtClean="0"/>
+              <a:t>介绍如下：</a:t>
+            </a:r>
+            <a:endParaRPr lang="en-US" dirty="0"/>
+          </a:p>
+        </p:txBody>
+      </p:sp>
+    </p:spTree>
+    <p:extLst>
+      <p:ext uri="{BB962C8B-B14F-4D97-AF65-F5344CB8AC3E}">
+        <p14:creationId xmlns:p14="http://schemas.microsoft.com/office/powerpoint/2010/main" val="531383578"/>
+      </p:ext>
+    </p:extLst>
+  </p:cSld>
+  <p:clrMapOvr>
+    <a:masterClrMapping/>
+  </p:clrMapOvr>
+</p:sld>
+</file>
+
+<file path=ppt/slides/slide9.xml><?xml version="1.0" encoding="utf-8"?>
+<p:sld xmlns:a="http://schemas.openxmlformats.org/drawingml/2006/main" xmlns:r="http://schemas.openxmlformats.org/officeDocument/2006/relationships" xmlns:p="http://schemas.openxmlformats.org/presentationml/2006/main">
+  <p:cSld>
+    <p:spTree>
+      <p:nvGrpSpPr>
+        <p:cNvPr id="1" name=""/>
+        <p:cNvGrpSpPr/>
+        <p:nvPr/>
+      </p:nvGrpSpPr>
+      <p:grpSpPr>
+        <a:xfrm>
+          <a:off x="0" y="0"/>
+          <a:ext cx="0" cy="0"/>
+          <a:chOff x="0" y="0"/>
+          <a:chExt cx="0" cy="0"/>
+        </a:xfrm>
+      </p:grpSpPr>
+      <p:sp>
+        <p:nvSpPr>
+          <p:cNvPr id="2" name="TextBox 1"/>
+          <p:cNvSpPr txBox="1"/>
+          <p:nvPr/>
+        </p:nvSpPr>
+        <p:spPr>
+          <a:xfrm>
+            <a:off x="890953" y="771768"/>
+            <a:ext cx="10316307" cy="5909310"/>
+          </a:xfrm>
+          <a:prstGeom prst="rect">
+            <a:avLst/>
+          </a:prstGeom>
+          <a:noFill/>
+        </p:spPr>
+        <p:txBody>
+          <a:bodyPr wrap="square" rtlCol="0">
+            <a:spAutoFit/>
+          </a:bodyPr>
+          <a:lstStyle/>
+          <a:p>
+            <a:pPr>
+              <a:lnSpc>
+                <a:spcPct val="150000"/>
+              </a:lnSpc>
+            </a:pPr>
+            <a:r>
+              <a:rPr lang="zh-CN" altLang="en-US" dirty="0"/>
+              <a:t>首先，通过随机抽样创建初始种群，然后进行评估</a:t>
+            </a:r>
+            <a:r>
+              <a:rPr lang="en-US" altLang="zh-CN" dirty="0"/>
+              <a:t>; </a:t>
+            </a:r>
+            <a:r>
+              <a:rPr lang="zh-CN" altLang="en-US" dirty="0"/>
+              <a:t>接下来，算法进入循环，并且在每一代中连续应用三个名为变异，交叉和选择的遗传算子，直到满足最大代数</a:t>
+            </a:r>
+            <a:r>
+              <a:rPr lang="zh-CN" altLang="en-US" dirty="0" smtClean="0"/>
+              <a:t>。</a:t>
+            </a:r>
+            <a:endParaRPr lang="en-US" altLang="zh-CN" dirty="0" smtClean="0"/>
+          </a:p>
+          <a:p>
+            <a:pPr>
+              <a:lnSpc>
+                <a:spcPct val="150000"/>
+              </a:lnSpc>
+            </a:pPr>
+            <a:r>
+              <a:rPr lang="zh-CN" altLang="en-US" dirty="0" smtClean="0"/>
+              <a:t>对于</a:t>
+            </a:r>
+            <a:r>
+              <a:rPr lang="zh-CN" altLang="en-US" dirty="0"/>
+              <a:t>群体中的每个</a:t>
+            </a:r>
+            <a:r>
+              <a:rPr lang="zh-CN" altLang="en-US" dirty="0" smtClean="0"/>
+              <a:t>个体</a:t>
+            </a:r>
+            <a:r>
+              <a:rPr lang="en-US" altLang="zh-CN" dirty="0" smtClean="0"/>
+              <a:t> p</a:t>
+            </a:r>
+            <a:r>
+              <a:rPr lang="zh-CN" altLang="en-US" dirty="0"/>
+              <a:t>，通过以下方式创建突变体</a:t>
+            </a:r>
+            <a:r>
+              <a:rPr lang="zh-CN" altLang="en-US" dirty="0" smtClean="0"/>
+              <a:t>载体</a:t>
+            </a:r>
+            <a:r>
+              <a:rPr lang="en-US" altLang="zh-CN" dirty="0" smtClean="0"/>
+              <a:t>  V</a:t>
+            </a:r>
+            <a:r>
+              <a:rPr lang="zh-CN" altLang="en-US" dirty="0" smtClean="0"/>
+              <a:t>：</a:t>
+            </a:r>
+            <a:endParaRPr lang="en-US" altLang="zh-CN" dirty="0" smtClean="0"/>
+          </a:p>
+          <a:p>
+            <a:pPr>
+              <a:lnSpc>
+                <a:spcPct val="150000"/>
+              </a:lnSpc>
+            </a:pPr>
+            <a:endParaRPr lang="en-US" dirty="0" smtClean="0"/>
+          </a:p>
+          <a:p>
+            <a:pPr>
+              <a:lnSpc>
+                <a:spcPct val="150000"/>
+              </a:lnSpc>
+            </a:pPr>
+            <a:r>
+              <a:rPr lang="zh-CN" altLang="en-US" dirty="0" smtClean="0"/>
+              <a:t>其中</a:t>
+            </a:r>
+            <a:r>
+              <a:rPr lang="en-US" altLang="zh-CN" dirty="0" smtClean="0"/>
+              <a:t> </a:t>
+            </a:r>
+            <a:r>
+              <a:rPr lang="zh-CN" altLang="en-US" dirty="0" smtClean="0"/>
+              <a:t>             </a:t>
+            </a:r>
+            <a:r>
+              <a:rPr lang="en-US" altLang="zh-CN" dirty="0" smtClean="0"/>
+              <a:t> </a:t>
+            </a:r>
+            <a:r>
+              <a:rPr lang="zh-CN" altLang="en-US" dirty="0" smtClean="0"/>
+              <a:t>是</a:t>
+            </a:r>
+            <a:r>
+              <a:rPr lang="zh-CN" altLang="en-US" dirty="0"/>
+              <a:t>从当前人口中随机选择的个体</a:t>
+            </a:r>
+            <a:r>
+              <a:rPr lang="zh-CN" altLang="en-US" dirty="0" smtClean="0"/>
+              <a:t>，满足                      。 因子 </a:t>
+            </a:r>
+            <a:r>
+              <a:rPr lang="en-US" altLang="zh-CN" dirty="0" smtClean="0"/>
+              <a:t>F</a:t>
+            </a:r>
+            <a:r>
+              <a:rPr lang="zh-CN" altLang="en-US" dirty="0" smtClean="0"/>
+              <a:t> 是</a:t>
+            </a:r>
+            <a:r>
+              <a:rPr lang="en-US" altLang="zh-CN" dirty="0"/>
+              <a:t>[0,1]</a:t>
+            </a:r>
+            <a:r>
+              <a:rPr lang="zh-CN" altLang="en-US" dirty="0"/>
+              <a:t>之间的实常数，称为比例因子。 该因子的作用是在搜索期间控制向量差的步长。 上述变异算子要求群体由至少四个个体组成</a:t>
+            </a:r>
+            <a:r>
+              <a:rPr lang="zh-CN" altLang="en-US" dirty="0" smtClean="0"/>
+              <a:t>。</a:t>
+            </a:r>
+            <a:endParaRPr lang="en-US" altLang="zh-CN" dirty="0" smtClean="0"/>
+          </a:p>
+          <a:p>
+            <a:pPr>
+              <a:lnSpc>
+                <a:spcPct val="150000"/>
+              </a:lnSpc>
+            </a:pPr>
+            <a:r>
+              <a:rPr lang="zh-CN" altLang="en-US" dirty="0"/>
+              <a:t>然后，对于当前</a:t>
+            </a:r>
+            <a:r>
+              <a:rPr lang="zh-CN" altLang="en-US" dirty="0" smtClean="0"/>
+              <a:t>个体</a:t>
+            </a:r>
+            <a:r>
+              <a:rPr lang="en-US" altLang="zh-CN" dirty="0" smtClean="0"/>
+              <a:t> Pi </a:t>
+            </a:r>
+            <a:r>
+              <a:rPr lang="zh-CN" altLang="en-US" dirty="0" smtClean="0"/>
+              <a:t>和</a:t>
+            </a:r>
+            <a:r>
+              <a:rPr lang="zh-CN" altLang="en-US" dirty="0"/>
+              <a:t>变异</a:t>
+            </a:r>
+            <a:r>
+              <a:rPr lang="zh-CN" altLang="en-US" dirty="0" smtClean="0"/>
+              <a:t>向量</a:t>
+            </a:r>
+            <a:r>
+              <a:rPr lang="en-US" altLang="zh-CN" dirty="0" smtClean="0"/>
+              <a:t> Vi </a:t>
+            </a:r>
+            <a:r>
+              <a:rPr lang="zh-CN" altLang="en-US" dirty="0" smtClean="0"/>
+              <a:t>中</a:t>
+            </a:r>
+            <a:r>
+              <a:rPr lang="zh-CN" altLang="en-US" dirty="0"/>
+              <a:t>的所有</a:t>
+            </a:r>
+            <a:r>
+              <a:rPr lang="zh-CN" altLang="en-US" dirty="0" smtClean="0"/>
+              <a:t>参数</a:t>
+            </a:r>
+            <a:r>
+              <a:rPr lang="en-US" altLang="zh-CN" dirty="0" smtClean="0"/>
+              <a:t> j </a:t>
+            </a:r>
+            <a:r>
+              <a:rPr lang="zh-CN" altLang="en-US" dirty="0" smtClean="0"/>
+              <a:t>，</a:t>
+            </a:r>
+            <a:r>
+              <a:rPr lang="zh-CN" altLang="en-US" dirty="0"/>
+              <a:t>应用离散交叉以创建试验</a:t>
+            </a:r>
+            <a:r>
+              <a:rPr lang="zh-CN" altLang="en-US" dirty="0" smtClean="0"/>
+              <a:t>向量</a:t>
+            </a:r>
+            <a:r>
+              <a:rPr lang="en-US" altLang="zh-CN" dirty="0" smtClean="0"/>
+              <a:t> </a:t>
+            </a:r>
+            <a:r>
+              <a:rPr lang="en-US" altLang="zh-CN" dirty="0" err="1" smtClean="0"/>
+              <a:t>Ui</a:t>
+            </a:r>
+            <a:r>
+              <a:rPr lang="zh-CN" altLang="en-US" dirty="0" smtClean="0"/>
+              <a:t>，</a:t>
+            </a:r>
+            <a:r>
+              <a:rPr lang="zh-CN" altLang="en-US" dirty="0"/>
+              <a:t>如下</a:t>
+            </a:r>
+            <a:r>
+              <a:rPr lang="zh-CN" altLang="en-US" dirty="0" smtClean="0"/>
+              <a:t>：</a:t>
+            </a:r>
+            <a:endParaRPr lang="en-US" altLang="zh-CN" dirty="0" smtClean="0"/>
+          </a:p>
+          <a:p>
+            <a:pPr>
+              <a:lnSpc>
+                <a:spcPct val="150000"/>
+              </a:lnSpc>
+            </a:pPr>
+            <a:endParaRPr lang="en-US" dirty="0"/>
+          </a:p>
+          <a:p>
+            <a:pPr>
+              <a:lnSpc>
+                <a:spcPct val="150000"/>
+              </a:lnSpc>
+            </a:pPr>
+            <a:endParaRPr lang="en-US" dirty="0" smtClean="0"/>
+          </a:p>
+          <a:p>
+            <a:pPr>
+              <a:lnSpc>
+                <a:spcPct val="150000"/>
+              </a:lnSpc>
+            </a:pPr>
+            <a:r>
+              <a:rPr lang="zh-CN" altLang="en-US" dirty="0"/>
+              <a:t>其中</a:t>
+            </a:r>
+            <a:r>
+              <a:rPr lang="en-US" altLang="zh-CN" dirty="0"/>
+              <a:t>j = </a:t>
+            </a:r>
+            <a:r>
+              <a:rPr lang="en-US" altLang="zh-CN" dirty="0" smtClean="0"/>
+              <a:t>1,2,...,k</a:t>
+            </a:r>
+            <a:r>
+              <a:rPr lang="zh-CN" altLang="en-US" dirty="0" smtClean="0"/>
+              <a:t>；</a:t>
+            </a:r>
+            <a:r>
+              <a:rPr lang="en-US" altLang="zh-CN" dirty="0" smtClean="0"/>
+              <a:t> </a:t>
+            </a:r>
+            <a:r>
+              <a:rPr lang="en-US" altLang="zh-CN" dirty="0"/>
+              <a:t>k</a:t>
+            </a:r>
+            <a:r>
+              <a:rPr lang="zh-CN" altLang="en-US" dirty="0"/>
+              <a:t>是个体的参数（阈值）的</a:t>
+            </a:r>
+            <a:r>
+              <a:rPr lang="zh-CN" altLang="en-US" dirty="0" smtClean="0"/>
+              <a:t>数量；</a:t>
+            </a:r>
+            <a:r>
+              <a:rPr lang="en-US" altLang="zh-CN" dirty="0" smtClean="0"/>
+              <a:t>random</a:t>
+            </a:r>
+            <a:r>
+              <a:rPr lang="zh-CN" altLang="en-US" dirty="0"/>
+              <a:t>（</a:t>
+            </a:r>
+            <a:r>
+              <a:rPr lang="en-US" altLang="zh-CN" dirty="0"/>
+              <a:t>0,1</a:t>
+            </a:r>
+            <a:r>
+              <a:rPr lang="zh-CN" altLang="en-US" dirty="0"/>
+              <a:t>）是</a:t>
+            </a:r>
+            <a:r>
+              <a:rPr lang="en-US" altLang="zh-CN" dirty="0"/>
+              <a:t>[0,1]</a:t>
+            </a:r>
+            <a:r>
+              <a:rPr lang="zh-CN" altLang="en-US" dirty="0"/>
+              <a:t>之间的随机</a:t>
+            </a:r>
+            <a:r>
+              <a:rPr lang="zh-CN" altLang="en-US" dirty="0" smtClean="0"/>
+              <a:t>数；</a:t>
+            </a:r>
+            <a:r>
+              <a:rPr lang="en-US" altLang="zh-CN" dirty="0" smtClean="0"/>
+              <a:t>Cr</a:t>
+            </a:r>
+            <a:r>
+              <a:rPr lang="zh-CN" altLang="en-US" dirty="0" smtClean="0"/>
+              <a:t> 代表</a:t>
+            </a:r>
+            <a:r>
+              <a:rPr lang="en-US" altLang="zh-CN" dirty="0"/>
+              <a:t>[0,1]</a:t>
+            </a:r>
+            <a:r>
+              <a:rPr lang="zh-CN" altLang="en-US" dirty="0"/>
+              <a:t>之间的交叉</a:t>
+            </a:r>
+            <a:r>
+              <a:rPr lang="zh-CN" altLang="en-US" dirty="0" smtClean="0"/>
+              <a:t>比</a:t>
+            </a:r>
+            <a:r>
+              <a:rPr lang="zh-CN" altLang="en-US" dirty="0"/>
+              <a:t>；</a:t>
+            </a:r>
+            <a:r>
+              <a:rPr lang="zh-CN" altLang="en-US" dirty="0" smtClean="0"/>
+              <a:t>并且 </a:t>
+            </a:r>
+            <a:r>
+              <a:rPr lang="en-US" altLang="zh-CN" dirty="0" err="1" smtClean="0"/>
+              <a:t>jrand</a:t>
+            </a:r>
+            <a:r>
+              <a:rPr lang="zh-CN" altLang="en-US" dirty="0" smtClean="0"/>
+              <a:t> 是</a:t>
+            </a:r>
+            <a:r>
+              <a:rPr lang="zh-CN" altLang="en-US" dirty="0"/>
+              <a:t>在</a:t>
+            </a:r>
+            <a:r>
+              <a:rPr lang="zh-CN" altLang="en-US" dirty="0" smtClean="0"/>
+              <a:t>每个 </a:t>
+            </a:r>
+            <a:r>
+              <a:rPr lang="en-US" altLang="zh-CN" dirty="0" smtClean="0"/>
+              <a:t>j</a:t>
+            </a:r>
+            <a:r>
+              <a:rPr lang="zh-CN" altLang="en-US" dirty="0" smtClean="0"/>
+              <a:t> 的</a:t>
+            </a:r>
+            <a:r>
+              <a:rPr lang="zh-CN" altLang="en-US" dirty="0"/>
+              <a:t>范围（</a:t>
+            </a:r>
+            <a:r>
+              <a:rPr lang="en-US" altLang="zh-CN" dirty="0"/>
+              <a:t>1,2</a:t>
+            </a:r>
+            <a:r>
+              <a:rPr lang="zh-CN" altLang="en-US" dirty="0"/>
+              <a:t>，</a:t>
+            </a:r>
+            <a:r>
+              <a:rPr lang="en-US" altLang="zh-CN" dirty="0"/>
+              <a:t>...</a:t>
+            </a:r>
+            <a:r>
+              <a:rPr lang="zh-CN" altLang="en-US" dirty="0"/>
+              <a:t>，</a:t>
+            </a:r>
+            <a:r>
+              <a:rPr lang="en-US" altLang="zh-CN" dirty="0"/>
+              <a:t>k</a:t>
+            </a:r>
+            <a:r>
+              <a:rPr lang="zh-CN" altLang="en-US" dirty="0"/>
+              <a:t>）中随机选择的索引，以确保始终从变异的矢量中选择至少一个参数</a:t>
+            </a:r>
+            <a:r>
+              <a:rPr lang="zh-CN" altLang="en-US" dirty="0" smtClean="0"/>
+              <a:t>。</a:t>
+            </a:r>
+            <a:endParaRPr lang="en-US" altLang="zh-CN" dirty="0" smtClean="0"/>
+          </a:p>
+          <a:p>
+            <a:pPr>
+              <a:lnSpc>
+                <a:spcPct val="150000"/>
+              </a:lnSpc>
+            </a:pPr>
+            <a:endParaRPr lang="en-US" dirty="0"/>
+          </a:p>
+        </p:txBody>
+      </p:sp>
+      <p:pic>
+        <p:nvPicPr>
+          <p:cNvPr id="4" name="Picture 3"/>
+          <p:cNvPicPr>
+            <a:picLocks noChangeAspect="1"/>
+          </p:cNvPicPr>
+          <p:nvPr/>
+        </p:nvPicPr>
+        <p:blipFill>
+          <a:blip r:embed="rId2">
+            <a:extLst>
+              <a:ext uri="{28A0092B-C50C-407E-A947-70E740481C1C}">
+                <a14:useLocalDpi xmlns:a14="http://schemas.microsoft.com/office/drawing/2010/main" val="0"/>
+              </a:ext>
+            </a:extLst>
+          </a:blip>
+          <a:stretch>
+            <a:fillRect/>
+          </a:stretch>
+        </p:blipFill>
+        <p:spPr>
+          <a:xfrm>
+            <a:off x="5077556" y="2138828"/>
+            <a:ext cx="1943100" cy="266700"/>
+          </a:xfrm>
+          <a:prstGeom prst="rect">
+            <a:avLst/>
+          </a:prstGeom>
+        </p:spPr>
+      </p:pic>
+      <p:pic>
+        <p:nvPicPr>
+          <p:cNvPr id="5" name="Picture 4"/>
+          <p:cNvPicPr>
+            <a:picLocks noChangeAspect="1"/>
+          </p:cNvPicPr>
+          <p:nvPr/>
+        </p:nvPicPr>
+        <p:blipFill>
+          <a:blip r:embed="rId3">
+            <a:extLst>
+              <a:ext uri="{28A0092B-C50C-407E-A947-70E740481C1C}">
+                <a14:useLocalDpi xmlns:a14="http://schemas.microsoft.com/office/drawing/2010/main" val="0"/>
+              </a:ext>
+            </a:extLst>
+          </a:blip>
+          <a:stretch>
+            <a:fillRect/>
+          </a:stretch>
+        </p:blipFill>
+        <p:spPr>
+          <a:xfrm>
+            <a:off x="1435100" y="2611315"/>
+            <a:ext cx="774700" cy="215900"/>
+          </a:xfrm>
+          <a:prstGeom prst="rect">
+            <a:avLst/>
+          </a:prstGeom>
+        </p:spPr>
+      </p:pic>
+      <p:pic>
+        <p:nvPicPr>
+          <p:cNvPr id="6" name="Picture 5"/>
+          <p:cNvPicPr>
+            <a:picLocks noChangeAspect="1"/>
+          </p:cNvPicPr>
+          <p:nvPr/>
+        </p:nvPicPr>
+        <p:blipFill>
+          <a:blip r:embed="rId4">
+            <a:extLst>
+              <a:ext uri="{28A0092B-C50C-407E-A947-70E740481C1C}">
+                <a14:useLocalDpi xmlns:a14="http://schemas.microsoft.com/office/drawing/2010/main" val="0"/>
+              </a:ext>
+            </a:extLst>
+          </a:blip>
+          <a:stretch>
+            <a:fillRect/>
+          </a:stretch>
+        </p:blipFill>
+        <p:spPr>
+          <a:xfrm>
+            <a:off x="6130680" y="2617665"/>
+            <a:ext cx="1155700" cy="203200"/>
+          </a:xfrm>
+          <a:prstGeom prst="rect">
+            <a:avLst/>
+          </a:prstGeom>
+        </p:spPr>
+      </p:pic>
+      <p:pic>
+        <p:nvPicPr>
+          <p:cNvPr id="7" name="Picture 6"/>
+          <p:cNvPicPr>
+            <a:picLocks noChangeAspect="1"/>
+          </p:cNvPicPr>
+          <p:nvPr/>
+        </p:nvPicPr>
+        <p:blipFill>
+          <a:blip r:embed="rId5">
+            <a:extLst>
+              <a:ext uri="{28A0092B-C50C-407E-A947-70E740481C1C}">
+                <a14:useLocalDpi xmlns:a14="http://schemas.microsoft.com/office/drawing/2010/main" val="0"/>
+              </a:ext>
+            </a:extLst>
+          </a:blip>
+          <a:stretch>
+            <a:fillRect/>
+          </a:stretch>
+        </p:blipFill>
+        <p:spPr>
+          <a:xfrm>
+            <a:off x="4144106" y="4200322"/>
+            <a:ext cx="3810000" cy="685800"/>
+          </a:xfrm>
+          <a:prstGeom prst="rect">
+            <a:avLst/>
+          </a:prstGeom>
+        </p:spPr>
+      </p:pic>
+    </p:spTree>
+    <p:extLst>
+      <p:ext uri="{BB962C8B-B14F-4D97-AF65-F5344CB8AC3E}">
+        <p14:creationId xmlns:p14="http://schemas.microsoft.com/office/powerpoint/2010/main" val="1401062575"/>
       </p:ext>
     </p:extLst>
   </p:cSld>

--- a/YingShengyu/slides.pptx
+++ b/YingShengyu/slides.pptx
@@ -15,6 +15,8 @@
     <p:sldId id="263" r:id="rId9"/>
     <p:sldId id="264" r:id="rId10"/>
     <p:sldId id="265" r:id="rId11"/>
+    <p:sldId id="266" r:id="rId12"/>
+    <p:sldId id="267" r:id="rId13"/>
   </p:sldIdLst>
   <p:sldSz cx="12192000" cy="6858000"/>
   <p:notesSz cx="6858000" cy="9144000"/>
@@ -252,7 +254,7 @@
           <a:p>
             <a:fld id="{DE8BD430-E2D2-594E-B6AF-4EE6CB881D48}" type="datetimeFigureOut">
               <a:rPr lang="en-US" smtClean="0"/>
-              <a:t>3/27/19</a:t>
+              <a:t>4/3/19</a:t>
             </a:fld>
             <a:endParaRPr lang="en-US"/>
           </a:p>
@@ -422,7 +424,7 @@
           <a:p>
             <a:fld id="{DE8BD430-E2D2-594E-B6AF-4EE6CB881D48}" type="datetimeFigureOut">
               <a:rPr lang="en-US" smtClean="0"/>
-              <a:t>3/27/19</a:t>
+              <a:t>4/3/19</a:t>
             </a:fld>
             <a:endParaRPr lang="en-US"/>
           </a:p>
@@ -602,7 +604,7 @@
           <a:p>
             <a:fld id="{DE8BD430-E2D2-594E-B6AF-4EE6CB881D48}" type="datetimeFigureOut">
               <a:rPr lang="en-US" smtClean="0"/>
-              <a:t>3/27/19</a:t>
+              <a:t>4/3/19</a:t>
             </a:fld>
             <a:endParaRPr lang="en-US"/>
           </a:p>
@@ -772,7 +774,7 @@
           <a:p>
             <a:fld id="{DE8BD430-E2D2-594E-B6AF-4EE6CB881D48}" type="datetimeFigureOut">
               <a:rPr lang="en-US" smtClean="0"/>
-              <a:t>3/27/19</a:t>
+              <a:t>4/3/19</a:t>
             </a:fld>
             <a:endParaRPr lang="en-US"/>
           </a:p>
@@ -1018,7 +1020,7 @@
           <a:p>
             <a:fld id="{DE8BD430-E2D2-594E-B6AF-4EE6CB881D48}" type="datetimeFigureOut">
               <a:rPr lang="en-US" smtClean="0"/>
-              <a:t>3/27/19</a:t>
+              <a:t>4/3/19</a:t>
             </a:fld>
             <a:endParaRPr lang="en-US"/>
           </a:p>
@@ -1250,7 +1252,7 @@
           <a:p>
             <a:fld id="{DE8BD430-E2D2-594E-B6AF-4EE6CB881D48}" type="datetimeFigureOut">
               <a:rPr lang="en-US" smtClean="0"/>
-              <a:t>3/27/19</a:t>
+              <a:t>4/3/19</a:t>
             </a:fld>
             <a:endParaRPr lang="en-US"/>
           </a:p>
@@ -1617,7 +1619,7 @@
           <a:p>
             <a:fld id="{DE8BD430-E2D2-594E-B6AF-4EE6CB881D48}" type="datetimeFigureOut">
               <a:rPr lang="en-US" smtClean="0"/>
-              <a:t>3/27/19</a:t>
+              <a:t>4/3/19</a:t>
             </a:fld>
             <a:endParaRPr lang="en-US"/>
           </a:p>
@@ -1735,7 +1737,7 @@
           <a:p>
             <a:fld id="{DE8BD430-E2D2-594E-B6AF-4EE6CB881D48}" type="datetimeFigureOut">
               <a:rPr lang="en-US" smtClean="0"/>
-              <a:t>3/27/19</a:t>
+              <a:t>4/3/19</a:t>
             </a:fld>
             <a:endParaRPr lang="en-US"/>
           </a:p>
@@ -1830,7 +1832,7 @@
           <a:p>
             <a:fld id="{DE8BD430-E2D2-594E-B6AF-4EE6CB881D48}" type="datetimeFigureOut">
               <a:rPr lang="en-US" smtClean="0"/>
-              <a:t>3/27/19</a:t>
+              <a:t>4/3/19</a:t>
             </a:fld>
             <a:endParaRPr lang="en-US"/>
           </a:p>
@@ -2107,7 +2109,7 @@
           <a:p>
             <a:fld id="{DE8BD430-E2D2-594E-B6AF-4EE6CB881D48}" type="datetimeFigureOut">
               <a:rPr lang="en-US" smtClean="0"/>
-              <a:t>3/27/19</a:t>
+              <a:t>4/3/19</a:t>
             </a:fld>
             <a:endParaRPr lang="en-US"/>
           </a:p>
@@ -2360,7 +2362,7 @@
           <a:p>
             <a:fld id="{DE8BD430-E2D2-594E-B6AF-4EE6CB881D48}" type="datetimeFigureOut">
               <a:rPr lang="en-US" smtClean="0"/>
-              <a:t>3/27/19</a:t>
+              <a:t>4/3/19</a:t>
             </a:fld>
             <a:endParaRPr lang="en-US"/>
           </a:p>
@@ -2573,7 +2575,7 @@
           <a:p>
             <a:fld id="{DE8BD430-E2D2-594E-B6AF-4EE6CB881D48}" type="datetimeFigureOut">
               <a:rPr lang="en-US" smtClean="0"/>
-              <a:t>3/27/19</a:t>
+              <a:t>4/3/19</a:t>
             </a:fld>
             <a:endParaRPr lang="en-US"/>
           </a:p>
@@ -3135,6 +3137,329 @@
     <p:extLst>
       <p:ext uri="{BB962C8B-B14F-4D97-AF65-F5344CB8AC3E}">
         <p14:creationId xmlns:p14="http://schemas.microsoft.com/office/powerpoint/2010/main" val="1320346628"/>
+      </p:ext>
+    </p:extLst>
+  </p:cSld>
+  <p:clrMapOvr>
+    <a:masterClrMapping/>
+  </p:clrMapOvr>
+</p:sld>
+</file>
+
+<file path=ppt/slides/slide11.xml><?xml version="1.0" encoding="utf-8"?>
+<p:sld xmlns:a="http://schemas.openxmlformats.org/drawingml/2006/main" xmlns:r="http://schemas.openxmlformats.org/officeDocument/2006/relationships" xmlns:p="http://schemas.openxmlformats.org/presentationml/2006/main">
+  <p:cSld>
+    <p:spTree>
+      <p:nvGrpSpPr>
+        <p:cNvPr id="1" name=""/>
+        <p:cNvGrpSpPr/>
+        <p:nvPr/>
+      </p:nvGrpSpPr>
+      <p:grpSpPr>
+        <a:xfrm>
+          <a:off x="0" y="0"/>
+          <a:ext cx="0" cy="0"/>
+          <a:chOff x="0" y="0"/>
+          <a:chExt cx="0" cy="0"/>
+        </a:xfrm>
+      </p:grpSpPr>
+      <p:sp>
+        <p:nvSpPr>
+          <p:cNvPr id="2" name="TextBox 1"/>
+          <p:cNvSpPr txBox="1"/>
+          <p:nvPr/>
+        </p:nvSpPr>
+        <p:spPr>
+          <a:xfrm>
+            <a:off x="760021" y="783771"/>
+            <a:ext cx="10652166" cy="3554819"/>
+          </a:xfrm>
+          <a:prstGeom prst="rect">
+            <a:avLst/>
+          </a:prstGeom>
+          <a:noFill/>
+        </p:spPr>
+        <p:txBody>
+          <a:bodyPr wrap="square" rtlCol="0">
+            <a:spAutoFit/>
+          </a:bodyPr>
+          <a:lstStyle/>
+          <a:p>
+            <a:r>
+              <a:rPr lang="zh-CN" altLang="en-US" dirty="0" smtClean="0"/>
+              <a:t>五、细胞差分进化</a:t>
+            </a:r>
+            <a:endParaRPr lang="en-US" altLang="zh-CN" dirty="0" smtClean="0"/>
+          </a:p>
+          <a:p>
+            <a:endParaRPr lang="en-US" altLang="zh-CN" dirty="0" smtClean="0"/>
+          </a:p>
+          <a:p>
+            <a:pPr>
+              <a:lnSpc>
+                <a:spcPct val="150000"/>
+              </a:lnSpc>
+            </a:pPr>
+            <a:r>
+              <a:rPr lang="zh-CN" altLang="en-US" dirty="0" smtClean="0"/>
+              <a:t>这篇论文提</a:t>
+            </a:r>
+            <a:r>
+              <a:rPr lang="zh-CN" altLang="en-US" dirty="0"/>
+              <a:t>出了一种标准的细胞</a:t>
+            </a:r>
+            <a:r>
+              <a:rPr lang="zh-CN" altLang="en-US" dirty="0" smtClean="0"/>
+              <a:t>差分进化</a:t>
+            </a:r>
+            <a:r>
+              <a:rPr lang="zh-CN" altLang="en-US" dirty="0"/>
+              <a:t>模型（</a:t>
+            </a:r>
+            <a:r>
+              <a:rPr lang="en-US" altLang="zh-CN" dirty="0"/>
+              <a:t>Cellular DE</a:t>
+            </a:r>
+            <a:r>
+              <a:rPr lang="zh-CN" altLang="en-US" dirty="0"/>
+              <a:t>）</a:t>
+            </a:r>
+            <a:r>
+              <a:rPr lang="zh-CN" altLang="en-US" dirty="0" smtClean="0"/>
+              <a:t>，是一</a:t>
+            </a:r>
+            <a:r>
+              <a:rPr lang="zh-CN" altLang="en-US" dirty="0"/>
+              <a:t>种重要的细胞</a:t>
+            </a:r>
+            <a:r>
+              <a:rPr lang="en-US" altLang="zh-CN" dirty="0"/>
+              <a:t>EA</a:t>
+            </a:r>
+            <a:r>
+              <a:rPr lang="zh-CN" altLang="en-US" dirty="0"/>
+              <a:t>。很少有研究人员研究过这种</a:t>
+            </a:r>
+            <a:r>
+              <a:rPr lang="en-US" altLang="zh-CN" dirty="0"/>
+              <a:t>CDE</a:t>
+            </a:r>
+            <a:r>
+              <a:rPr lang="zh-CN" altLang="en-US" dirty="0"/>
+              <a:t>模型或其</a:t>
+            </a:r>
+            <a:r>
+              <a:rPr lang="zh-CN" altLang="en-US" dirty="0" smtClean="0"/>
+              <a:t>变种。</a:t>
+            </a:r>
+            <a:r>
+              <a:rPr lang="zh-CN" altLang="en-US" dirty="0"/>
+              <a:t>在该模型中，群体中的个体在空间上构造在二维正方形网格中，其中每个单元格恰好包含一个个体，并且它们仅被允许与它们的邻居交互。个体的邻域由周围的细胞定义，这些细胞通常由罗盘上的方向描述。主要考虑两种常见和流行的邻域结构，冯诺伊曼和摩尔邻域。冯</a:t>
+            </a:r>
+            <a:r>
+              <a:rPr lang="en-US" altLang="zh-CN" dirty="0"/>
+              <a:t>·</a:t>
+            </a:r>
+            <a:r>
+              <a:rPr lang="zh-CN" altLang="en-US" dirty="0"/>
+              <a:t>诺伊曼邻域由仅位于轴向的所有单元的集合定义。另一方面，摩尔邻域由位于轴向和对角线方向上的所有单元的集合定义</a:t>
+            </a:r>
+            <a:r>
+              <a:rPr lang="zh-CN" altLang="en-US" dirty="0" smtClean="0"/>
+              <a:t>。下图说明</a:t>
+            </a:r>
+            <a:r>
+              <a:rPr lang="zh-CN" altLang="en-US" dirty="0"/>
+              <a:t>了两种邻域的简单</a:t>
+            </a:r>
+            <a:r>
+              <a:rPr lang="zh-CN" altLang="en-US" dirty="0" smtClean="0"/>
+              <a:t>模型</a:t>
+            </a:r>
+            <a:r>
+              <a:rPr lang="zh-CN" altLang="en-US" dirty="0"/>
+              <a:t>，</a:t>
+            </a:r>
+            <a:r>
+              <a:rPr lang="zh-CN" altLang="en-US" dirty="0" smtClean="0"/>
+              <a:t>这样</a:t>
+            </a:r>
+            <a:r>
+              <a:rPr lang="zh-CN" altLang="en-US" dirty="0"/>
+              <a:t>两种结构都存在扩展模型。在这个搜索工作中，我们采用了摩尔邻域的简单模型</a:t>
+            </a:r>
+            <a:r>
+              <a:rPr lang="zh-CN" altLang="en-US" dirty="0" smtClean="0"/>
+              <a:t>。</a:t>
+            </a:r>
+            <a:endParaRPr lang="en-US" altLang="zh-CN" dirty="0" smtClean="0"/>
+          </a:p>
+        </p:txBody>
+      </p:sp>
+      <p:pic>
+        <p:nvPicPr>
+          <p:cNvPr id="5" name="Picture 4"/>
+          <p:cNvPicPr>
+            <a:picLocks noChangeAspect="1"/>
+          </p:cNvPicPr>
+          <p:nvPr/>
+        </p:nvPicPr>
+        <p:blipFill>
+          <a:blip r:embed="rId2">
+            <a:extLst>
+              <a:ext uri="{28A0092B-C50C-407E-A947-70E740481C1C}">
+                <a14:useLocalDpi xmlns:a14="http://schemas.microsoft.com/office/drawing/2010/main" val="0"/>
+              </a:ext>
+            </a:extLst>
+          </a:blip>
+          <a:stretch>
+            <a:fillRect/>
+          </a:stretch>
+        </p:blipFill>
+        <p:spPr>
+          <a:xfrm>
+            <a:off x="3740726" y="3830562"/>
+            <a:ext cx="5465701" cy="2815331"/>
+          </a:xfrm>
+          <a:prstGeom prst="rect">
+            <a:avLst/>
+          </a:prstGeom>
+        </p:spPr>
+      </p:pic>
+    </p:spTree>
+    <p:extLst>
+      <p:ext uri="{BB962C8B-B14F-4D97-AF65-F5344CB8AC3E}">
+        <p14:creationId xmlns:p14="http://schemas.microsoft.com/office/powerpoint/2010/main" val="407379380"/>
+      </p:ext>
+    </p:extLst>
+  </p:cSld>
+  <p:clrMapOvr>
+    <a:masterClrMapping/>
+  </p:clrMapOvr>
+</p:sld>
+</file>
+
+<file path=ppt/slides/slide12.xml><?xml version="1.0" encoding="utf-8"?>
+<p:sld xmlns:a="http://schemas.openxmlformats.org/drawingml/2006/main" xmlns:r="http://schemas.openxmlformats.org/officeDocument/2006/relationships" xmlns:p="http://schemas.openxmlformats.org/presentationml/2006/main">
+  <p:cSld>
+    <p:spTree>
+      <p:nvGrpSpPr>
+        <p:cNvPr id="1" name=""/>
+        <p:cNvGrpSpPr/>
+        <p:nvPr/>
+      </p:nvGrpSpPr>
+      <p:grpSpPr>
+        <a:xfrm>
+          <a:off x="0" y="0"/>
+          <a:ext cx="0" cy="0"/>
+          <a:chOff x="0" y="0"/>
+          <a:chExt cx="0" cy="0"/>
+        </a:xfrm>
+      </p:grpSpPr>
+      <p:sp>
+        <p:nvSpPr>
+          <p:cNvPr id="2" name="Rectangle 1"/>
+          <p:cNvSpPr/>
+          <p:nvPr/>
+        </p:nvSpPr>
+        <p:spPr>
+          <a:xfrm>
+            <a:off x="914400" y="1401289"/>
+            <a:ext cx="3550722" cy="3416320"/>
+          </a:xfrm>
+          <a:prstGeom prst="rect">
+            <a:avLst/>
+          </a:prstGeom>
+        </p:spPr>
+        <p:txBody>
+          <a:bodyPr wrap="square">
+            <a:spAutoFit/>
+          </a:bodyPr>
+          <a:lstStyle/>
+          <a:p>
+            <a:pPr>
+              <a:lnSpc>
+                <a:spcPct val="150000"/>
+              </a:lnSpc>
+            </a:pPr>
+            <a:r>
+              <a:rPr lang="zh-CN" altLang="en-US" dirty="0"/>
+              <a:t>用于多级阈值处理的所提出的</a:t>
+            </a:r>
+            <a:r>
+              <a:rPr lang="en-US" altLang="zh-CN" dirty="0"/>
+              <a:t>Cellular DE</a:t>
+            </a:r>
+            <a:r>
+              <a:rPr lang="zh-CN" altLang="en-US" dirty="0"/>
+              <a:t>的伪代码</a:t>
+            </a:r>
+            <a:r>
+              <a:rPr lang="zh-CN" altLang="en-US" dirty="0" smtClean="0"/>
+              <a:t>在下表中</a:t>
+            </a:r>
+            <a:r>
+              <a:rPr lang="zh-CN" altLang="en-US" dirty="0"/>
+              <a:t>列出。与上面描述的标准</a:t>
+            </a:r>
+            <a:r>
+              <a:rPr lang="en-US" altLang="zh-CN" dirty="0" smtClean="0"/>
+              <a:t>DE</a:t>
+            </a:r>
+            <a:r>
+              <a:rPr lang="zh-CN" altLang="en-US" dirty="0" smtClean="0"/>
+              <a:t>相反</a:t>
+            </a:r>
+            <a:r>
+              <a:rPr lang="zh-CN" altLang="en-US" dirty="0"/>
+              <a:t>，这里对于群体中的每个个体，从其邻域中随机选择三个辅助父母，使得它们是不同的，而不是来自整个群体。突变，交叉和生存选择操作保持与标准</a:t>
+            </a:r>
+            <a:r>
+              <a:rPr lang="en-US" altLang="zh-CN" dirty="0"/>
+              <a:t>DE</a:t>
+            </a:r>
+            <a:r>
+              <a:rPr lang="zh-CN" altLang="en-US" dirty="0"/>
+              <a:t>中使用的相同。</a:t>
+            </a:r>
+            <a:endParaRPr lang="en-US" dirty="0"/>
+          </a:p>
+        </p:txBody>
+      </p:sp>
+      <p:pic>
+        <p:nvPicPr>
+          <p:cNvPr id="3" name="Picture 2"/>
+          <p:cNvPicPr>
+            <a:picLocks noChangeAspect="1"/>
+          </p:cNvPicPr>
+          <p:nvPr/>
+        </p:nvPicPr>
+        <p:blipFill>
+          <a:blip r:embed="rId2">
+            <a:extLst>
+              <a:ext uri="{28A0092B-C50C-407E-A947-70E740481C1C}">
+                <a14:useLocalDpi xmlns:a14="http://schemas.microsoft.com/office/drawing/2010/main" val="0"/>
+              </a:ext>
+            </a:extLst>
+          </a:blip>
+          <a:stretch>
+            <a:fillRect/>
+          </a:stretch>
+        </p:blipFill>
+        <p:spPr>
+          <a:xfrm>
+            <a:off x="4465122" y="772062"/>
+            <a:ext cx="7094187" cy="5225142"/>
+          </a:xfrm>
+          <a:prstGeom prst="rect">
+            <a:avLst/>
+          </a:prstGeom>
+        </p:spPr>
+      </p:pic>
+    </p:spTree>
+    <p:extLst>
+      <p:ext uri="{BB962C8B-B14F-4D97-AF65-F5344CB8AC3E}">
+        <p14:creationId xmlns:p14="http://schemas.microsoft.com/office/powerpoint/2010/main" val="1962095765"/>
       </p:ext>
     </p:extLst>
   </p:cSld>
